--- a/교육자료/SW개발자를_준비하는_당신에게.pptx
+++ b/교육자료/SW개발자를_준비하는_당신에게.pptx
@@ -13616,7 +13616,7 @@
             </a:br>
             <a:r>
               <a:rPr kumimoji="1" lang="ko-KR" altLang="en-US" sz="3600" dirty="0"/>
-              <a:t>소드 관리</a:t>
+              <a:t>소스 관리</a:t>
             </a:r>
             <a:r>
               <a:rPr kumimoji="1" lang="en-US" altLang="ko-KR" sz="3600" dirty="0"/>
